--- a/uml-diagram.pptx
+++ b/uml-diagram.pptx
@@ -3342,1030 +3342,1051 @@
           <a:chExt cx="0" cy="0"/>
         </a:xfrm>
       </p:grpSpPr>
-      <p:sp>
-        <p:nvSpPr>
-          <p:cNvPr id="4" name="Rounded Rectangle 3">
-            <a:extLst>
-              <a:ext uri="{FF2B5EF4-FFF2-40B4-BE49-F238E27FC236}">
-                <a16:creationId xmlns:a16="http://schemas.microsoft.com/office/drawing/2014/main" id="{68904288-1800-394D-BB1F-5C84D76EE65A}"/>
-              </a:ext>
-            </a:extLst>
-          </p:cNvPr>
-          <p:cNvSpPr/>
+      <p:grpSp>
+        <p:nvGrpSpPr>
+          <p:cNvPr id="54" name="Group 53">
+            <a:extLst>
+              <a:ext uri="{FF2B5EF4-FFF2-40B4-BE49-F238E27FC236}">
+                <a16:creationId xmlns:a16="http://schemas.microsoft.com/office/drawing/2014/main" id="{3EC97EA4-7030-7643-91FD-A76E50B86CE2}"/>
+              </a:ext>
+            </a:extLst>
+          </p:cNvPr>
+          <p:cNvGrpSpPr/>
           <p:nvPr/>
-        </p:nvSpPr>
-        <p:spPr>
+        </p:nvGrpSpPr>
+        <p:grpSpPr>
           <a:xfrm>
-            <a:off x="3426092" y="1396179"/>
-            <a:ext cx="3111689" cy="1528550"/>
+            <a:off x="626026" y="498208"/>
+            <a:ext cx="10189825" cy="5615170"/>
+            <a:chOff x="626026" y="498208"/>
+            <a:chExt cx="10189825" cy="5615170"/>
           </a:xfrm>
-          <a:prstGeom prst="roundRect">
-            <a:avLst/>
-          </a:prstGeom>
-        </p:spPr>
-        <p:style>
-          <a:lnRef idx="2">
-            <a:schemeClr val="accent1">
-              <a:shade val="50000"/>
-            </a:schemeClr>
-          </a:lnRef>
-          <a:fillRef idx="1">
-            <a:schemeClr val="accent1"/>
-          </a:fillRef>
-          <a:effectRef idx="0">
-            <a:schemeClr val="accent1"/>
-          </a:effectRef>
-          <a:fontRef idx="minor">
-            <a:schemeClr val="lt1"/>
-          </a:fontRef>
-        </p:style>
-        <p:txBody>
-          <a:bodyPr rtlCol="0" anchor="ctr"/>
-          <a:lstStyle/>
-          <a:p>
-            <a:pPr algn="ctr"/>
-            <a:r>
-              <a:rPr lang="en-GB" dirty="0"/>
-              <a:t>Container: aiida-core</a:t>
-            </a:r>
-          </a:p>
-          <a:p>
-            <a:pPr algn="ctr"/>
-            <a:r>
-              <a:rPr lang="en-GB" dirty="0"/>
-              <a:t>Service: core</a:t>
-            </a:r>
-          </a:p>
-        </p:txBody>
-      </p:sp>
-      <p:sp>
-        <p:nvSpPr>
-          <p:cNvPr id="5" name="Rounded Rectangle 4">
-            <a:extLst>
-              <a:ext uri="{FF2B5EF4-FFF2-40B4-BE49-F238E27FC236}">
-                <a16:creationId xmlns:a16="http://schemas.microsoft.com/office/drawing/2014/main" id="{A93839C0-E59D-7A40-9446-FAC743F5F8C7}"/>
-              </a:ext>
-            </a:extLst>
-          </p:cNvPr>
-          <p:cNvSpPr/>
-          <p:nvPr/>
-        </p:nvSpPr>
-        <p:spPr>
-          <a:xfrm>
-            <a:off x="7704162" y="1395104"/>
-            <a:ext cx="3111689" cy="1528550"/>
-          </a:xfrm>
-          <a:prstGeom prst="roundRect">
-            <a:avLst/>
-          </a:prstGeom>
-        </p:spPr>
-        <p:style>
-          <a:lnRef idx="2">
-            <a:schemeClr val="accent1">
-              <a:shade val="50000"/>
-            </a:schemeClr>
-          </a:lnRef>
-          <a:fillRef idx="1">
-            <a:schemeClr val="accent1"/>
-          </a:fillRef>
-          <a:effectRef idx="0">
-            <a:schemeClr val="accent1"/>
-          </a:effectRef>
-          <a:fontRef idx="minor">
-            <a:schemeClr val="lt1"/>
-          </a:fontRef>
-        </p:style>
-        <p:txBody>
-          <a:bodyPr rtlCol="0" anchor="ctr"/>
-          <a:lstStyle/>
-          <a:p>
-            <a:pPr algn="ctr"/>
-            <a:r>
-              <a:rPr lang="en-GB" dirty="0"/>
-              <a:t>Container: aiida-database</a:t>
-            </a:r>
-          </a:p>
-          <a:p>
-            <a:pPr algn="ctr"/>
-            <a:r>
-              <a:rPr lang="en-GB" dirty="0"/>
-              <a:t>Service: database</a:t>
-            </a:r>
-          </a:p>
-        </p:txBody>
-      </p:sp>
-      <p:sp>
-        <p:nvSpPr>
-          <p:cNvPr id="6" name="Rounded Rectangle 5">
-            <a:extLst>
-              <a:ext uri="{FF2B5EF4-FFF2-40B4-BE49-F238E27FC236}">
-                <a16:creationId xmlns:a16="http://schemas.microsoft.com/office/drawing/2014/main" id="{B5EADBC0-F275-6F4B-8C92-D857683FE1C0}"/>
-              </a:ext>
-            </a:extLst>
-          </p:cNvPr>
-          <p:cNvSpPr/>
-          <p:nvPr/>
-        </p:nvSpPr>
-        <p:spPr>
-          <a:xfrm>
-            <a:off x="3426092" y="3693553"/>
-            <a:ext cx="3111689" cy="1528550"/>
-          </a:xfrm>
-          <a:prstGeom prst="roundRect">
-            <a:avLst/>
-          </a:prstGeom>
-        </p:spPr>
-        <p:style>
-          <a:lnRef idx="2">
-            <a:schemeClr val="accent1">
-              <a:shade val="50000"/>
-            </a:schemeClr>
-          </a:lnRef>
-          <a:fillRef idx="1">
-            <a:schemeClr val="accent1"/>
-          </a:fillRef>
-          <a:effectRef idx="0">
-            <a:schemeClr val="accent1"/>
-          </a:effectRef>
-          <a:fontRef idx="minor">
-            <a:schemeClr val="lt1"/>
-          </a:fontRef>
-        </p:style>
-        <p:txBody>
-          <a:bodyPr rtlCol="0" anchor="ctr"/>
-          <a:lstStyle/>
-          <a:p>
-            <a:pPr algn="ctr"/>
-            <a:r>
-              <a:rPr lang="en-GB" dirty="0"/>
-              <a:t>Container: aiida-</a:t>
-            </a:r>
-            <a:r>
-              <a:rPr lang="en-GB" dirty="0" err="1"/>
-              <a:t>rmq</a:t>
-            </a:r>
-            <a:endParaRPr lang="en-GB" dirty="0"/>
-          </a:p>
-          <a:p>
-            <a:pPr algn="ctr"/>
-            <a:r>
-              <a:rPr lang="en-GB" dirty="0"/>
-              <a:t>Service: messaging</a:t>
-            </a:r>
-          </a:p>
-        </p:txBody>
-      </p:sp>
-      <p:cxnSp>
-        <p:nvCxnSpPr>
-          <p:cNvPr id="8" name="Straight Connector 7">
-            <a:extLst>
-              <a:ext uri="{FF2B5EF4-FFF2-40B4-BE49-F238E27FC236}">
-                <a16:creationId xmlns:a16="http://schemas.microsoft.com/office/drawing/2014/main" id="{DE436605-70B7-564D-B533-2BCBC36DDAAB}"/>
-              </a:ext>
-            </a:extLst>
-          </p:cNvPr>
-          <p:cNvCxnSpPr>
-            <a:stCxn id="4" idx="3"/>
-            <a:endCxn id="5" idx="1"/>
-          </p:cNvCxnSpPr>
-          <p:nvPr/>
-        </p:nvCxnSpPr>
-        <p:spPr>
-          <a:xfrm flipV="1">
-            <a:off x="6537781" y="2159379"/>
-            <a:ext cx="1166381" cy="1075"/>
-          </a:xfrm>
-          <a:prstGeom prst="line">
-            <a:avLst/>
-          </a:prstGeom>
-          <a:ln w="38100">
-            <a:headEnd type="triangle"/>
-          </a:ln>
-        </p:spPr>
-        <p:style>
-          <a:lnRef idx="1">
-            <a:schemeClr val="accent1"/>
-          </a:lnRef>
-          <a:fillRef idx="0">
-            <a:schemeClr val="accent1"/>
-          </a:fillRef>
-          <a:effectRef idx="0">
-            <a:schemeClr val="accent1"/>
-          </a:effectRef>
-          <a:fontRef idx="minor">
-            <a:schemeClr val="tx1"/>
-          </a:fontRef>
-        </p:style>
-      </p:cxnSp>
-      <p:cxnSp>
-        <p:nvCxnSpPr>
-          <p:cNvPr id="9" name="Straight Connector 8">
-            <a:extLst>
-              <a:ext uri="{FF2B5EF4-FFF2-40B4-BE49-F238E27FC236}">
-                <a16:creationId xmlns:a16="http://schemas.microsoft.com/office/drawing/2014/main" id="{45384FD0-7E9E-E848-85D1-71240E0EB725}"/>
-              </a:ext>
-            </a:extLst>
-          </p:cNvPr>
-          <p:cNvCxnSpPr>
-            <a:cxnSpLocks/>
-            <a:stCxn id="4" idx="2"/>
-            <a:endCxn id="6" idx="0"/>
-          </p:cNvCxnSpPr>
-          <p:nvPr/>
-        </p:nvCxnSpPr>
-        <p:spPr>
-          <a:xfrm>
-            <a:off x="4981937" y="2924729"/>
-            <a:ext cx="0" cy="768824"/>
-          </a:xfrm>
-          <a:prstGeom prst="line">
-            <a:avLst/>
-          </a:prstGeom>
-          <a:ln w="38100">
-            <a:headEnd type="triangle"/>
-          </a:ln>
-        </p:spPr>
-        <p:style>
-          <a:lnRef idx="1">
-            <a:schemeClr val="accent1"/>
-          </a:lnRef>
-          <a:fillRef idx="0">
-            <a:schemeClr val="accent1"/>
-          </a:fillRef>
-          <a:effectRef idx="0">
-            <a:schemeClr val="accent1"/>
-          </a:effectRef>
-          <a:fontRef idx="minor">
-            <a:schemeClr val="tx1"/>
-          </a:fontRef>
-        </p:style>
-      </p:cxnSp>
-      <p:sp>
-        <p:nvSpPr>
-          <p:cNvPr id="13" name="Rounded Rectangle 12">
-            <a:extLst>
-              <a:ext uri="{FF2B5EF4-FFF2-40B4-BE49-F238E27FC236}">
-                <a16:creationId xmlns:a16="http://schemas.microsoft.com/office/drawing/2014/main" id="{79CE3941-471B-DC44-9BD5-C440C2B1C14E}"/>
-              </a:ext>
-            </a:extLst>
-          </p:cNvPr>
-          <p:cNvSpPr/>
-          <p:nvPr/>
-        </p:nvSpPr>
-        <p:spPr>
-          <a:xfrm>
-            <a:off x="7899148" y="3846016"/>
-            <a:ext cx="2721718" cy="1207068"/>
-          </a:xfrm>
-          <a:prstGeom prst="roundRect">
-            <a:avLst/>
-          </a:prstGeom>
-        </p:spPr>
-        <p:style>
-          <a:lnRef idx="2">
-            <a:schemeClr val="accent3">
-              <a:shade val="50000"/>
-            </a:schemeClr>
-          </a:lnRef>
-          <a:fillRef idx="1">
-            <a:schemeClr val="accent3"/>
-          </a:fillRef>
-          <a:effectRef idx="0">
-            <a:schemeClr val="accent3"/>
-          </a:effectRef>
-          <a:fontRef idx="minor">
-            <a:schemeClr val="lt1"/>
-          </a:fontRef>
-        </p:style>
-        <p:txBody>
-          <a:bodyPr rtlCol="0" anchor="ctr"/>
-          <a:lstStyle/>
-          <a:p>
-            <a:pPr algn="ctr"/>
-            <a:r>
-              <a:rPr lang="en-GB" dirty="0"/>
-              <a:t>localhost</a:t>
-            </a:r>
-          </a:p>
-        </p:txBody>
-      </p:sp>
-      <p:sp>
-        <p:nvSpPr>
-          <p:cNvPr id="15" name="Rounded Rectangle 14">
-            <a:extLst>
-              <a:ext uri="{FF2B5EF4-FFF2-40B4-BE49-F238E27FC236}">
-                <a16:creationId xmlns:a16="http://schemas.microsoft.com/office/drawing/2014/main" id="{95BCF965-50AD-D64F-A33D-8DB184704FFA}"/>
-              </a:ext>
-            </a:extLst>
-          </p:cNvPr>
-          <p:cNvSpPr/>
-          <p:nvPr/>
-        </p:nvSpPr>
-        <p:spPr>
-          <a:xfrm>
-            <a:off x="7176951" y="2006979"/>
-            <a:ext cx="778933" cy="304800"/>
-          </a:xfrm>
-          <a:prstGeom prst="roundRect">
-            <a:avLst/>
-          </a:prstGeom>
-        </p:spPr>
-        <p:style>
-          <a:lnRef idx="2">
-            <a:schemeClr val="accent6">
-              <a:shade val="50000"/>
-            </a:schemeClr>
-          </a:lnRef>
-          <a:fillRef idx="1">
-            <a:schemeClr val="accent6"/>
-          </a:fillRef>
-          <a:effectRef idx="0">
-            <a:schemeClr val="accent6"/>
-          </a:effectRef>
-          <a:fontRef idx="minor">
-            <a:schemeClr val="lt1"/>
-          </a:fontRef>
-        </p:style>
-        <p:txBody>
-          <a:bodyPr rtlCol="0" anchor="ctr"/>
-          <a:lstStyle/>
-          <a:p>
-            <a:pPr algn="ctr"/>
-            <a:r>
-              <a:rPr lang="en-GB" sz="1600" dirty="0"/>
-              <a:t>5432</a:t>
-            </a:r>
-            <a:endParaRPr lang="en-GB" dirty="0"/>
-          </a:p>
-        </p:txBody>
-      </p:sp>
-      <p:sp>
-        <p:nvSpPr>
-          <p:cNvPr id="17" name="Rounded Rectangle 16">
-            <a:extLst>
-              <a:ext uri="{FF2B5EF4-FFF2-40B4-BE49-F238E27FC236}">
-                <a16:creationId xmlns:a16="http://schemas.microsoft.com/office/drawing/2014/main" id="{CBD91C68-42BF-E44B-A133-1C28802655BA}"/>
-              </a:ext>
-            </a:extLst>
-          </p:cNvPr>
-          <p:cNvSpPr/>
-          <p:nvPr/>
-        </p:nvSpPr>
-        <p:spPr>
-          <a:xfrm>
-            <a:off x="4592468" y="3518407"/>
-            <a:ext cx="778933" cy="304800"/>
-          </a:xfrm>
-          <a:prstGeom prst="roundRect">
-            <a:avLst/>
-          </a:prstGeom>
-        </p:spPr>
-        <p:style>
-          <a:lnRef idx="2">
-            <a:schemeClr val="accent6">
-              <a:shade val="50000"/>
-            </a:schemeClr>
-          </a:lnRef>
-          <a:fillRef idx="1">
-            <a:schemeClr val="accent6"/>
-          </a:fillRef>
-          <a:effectRef idx="0">
-            <a:schemeClr val="accent6"/>
-          </a:effectRef>
-          <a:fontRef idx="minor">
-            <a:schemeClr val="lt1"/>
-          </a:fontRef>
-        </p:style>
-        <p:txBody>
-          <a:bodyPr rtlCol="0" anchor="ctr"/>
-          <a:lstStyle/>
-          <a:p>
-            <a:pPr algn="ctr"/>
-            <a:r>
-              <a:rPr lang="en-GB" sz="1600" dirty="0"/>
-              <a:t>5672</a:t>
-            </a:r>
-            <a:endParaRPr lang="en-GB" dirty="0"/>
-          </a:p>
-        </p:txBody>
-      </p:sp>
-      <p:cxnSp>
-        <p:nvCxnSpPr>
-          <p:cNvPr id="18" name="Straight Connector 17">
-            <a:extLst>
-              <a:ext uri="{FF2B5EF4-FFF2-40B4-BE49-F238E27FC236}">
-                <a16:creationId xmlns:a16="http://schemas.microsoft.com/office/drawing/2014/main" id="{DE7B39B4-7253-724E-B481-56671D27C7E2}"/>
-              </a:ext>
-            </a:extLst>
-          </p:cNvPr>
-          <p:cNvCxnSpPr>
-            <a:cxnSpLocks/>
-            <a:stCxn id="13" idx="1"/>
-            <a:endCxn id="6" idx="3"/>
-          </p:cNvCxnSpPr>
-          <p:nvPr/>
-        </p:nvCxnSpPr>
-        <p:spPr>
-          <a:xfrm flipH="1">
-            <a:off x="6537781" y="4449550"/>
-            <a:ext cx="1361367" cy="8278"/>
-          </a:xfrm>
-          <a:prstGeom prst="line">
-            <a:avLst/>
-          </a:prstGeom>
-          <a:ln w="38100">
-            <a:solidFill>
+        </p:grpSpPr>
+        <p:sp>
+          <p:nvSpPr>
+            <p:cNvPr id="4" name="Rounded Rectangle 3">
+              <a:extLst>
+                <a:ext uri="{FF2B5EF4-FFF2-40B4-BE49-F238E27FC236}">
+                  <a16:creationId xmlns:a16="http://schemas.microsoft.com/office/drawing/2014/main" id="{68904288-1800-394D-BB1F-5C84D76EE65A}"/>
+                </a:ext>
+              </a:extLst>
+            </p:cNvPr>
+            <p:cNvSpPr/>
+            <p:nvPr/>
+          </p:nvSpPr>
+          <p:spPr>
+            <a:xfrm>
+              <a:off x="3426092" y="1396179"/>
+              <a:ext cx="3111689" cy="1528550"/>
+            </a:xfrm>
+            <a:prstGeom prst="roundRect">
+              <a:avLst/>
+            </a:prstGeom>
+          </p:spPr>
+          <p:style>
+            <a:lnRef idx="2">
+              <a:schemeClr val="accent1">
+                <a:shade val="50000"/>
+              </a:schemeClr>
+            </a:lnRef>
+            <a:fillRef idx="1">
+              <a:schemeClr val="accent1"/>
+            </a:fillRef>
+            <a:effectRef idx="0">
+              <a:schemeClr val="accent1"/>
+            </a:effectRef>
+            <a:fontRef idx="minor">
+              <a:schemeClr val="lt1"/>
+            </a:fontRef>
+          </p:style>
+          <p:txBody>
+            <a:bodyPr rtlCol="0" anchor="ctr"/>
+            <a:lstStyle/>
+            <a:p>
+              <a:pPr algn="ctr"/>
+              <a:r>
+                <a:rPr lang="en-GB" dirty="0"/>
+                <a:t>Container: aiida-core</a:t>
+              </a:r>
+            </a:p>
+            <a:p>
+              <a:pPr algn="ctr"/>
+              <a:r>
+                <a:rPr lang="en-GB" dirty="0"/>
+                <a:t>Service: core</a:t>
+              </a:r>
+            </a:p>
+          </p:txBody>
+        </p:sp>
+        <p:sp>
+          <p:nvSpPr>
+            <p:cNvPr id="5" name="Rounded Rectangle 4">
+              <a:extLst>
+                <a:ext uri="{FF2B5EF4-FFF2-40B4-BE49-F238E27FC236}">
+                  <a16:creationId xmlns:a16="http://schemas.microsoft.com/office/drawing/2014/main" id="{A93839C0-E59D-7A40-9446-FAC743F5F8C7}"/>
+                </a:ext>
+              </a:extLst>
+            </p:cNvPr>
+            <p:cNvSpPr/>
+            <p:nvPr/>
+          </p:nvSpPr>
+          <p:spPr>
+            <a:xfrm>
+              <a:off x="7704162" y="1395104"/>
+              <a:ext cx="3111689" cy="1528550"/>
+            </a:xfrm>
+            <a:prstGeom prst="roundRect">
+              <a:avLst/>
+            </a:prstGeom>
+          </p:spPr>
+          <p:style>
+            <a:lnRef idx="2">
+              <a:schemeClr val="accent1">
+                <a:shade val="50000"/>
+              </a:schemeClr>
+            </a:lnRef>
+            <a:fillRef idx="1">
+              <a:schemeClr val="accent1"/>
+            </a:fillRef>
+            <a:effectRef idx="0">
+              <a:schemeClr val="accent1"/>
+            </a:effectRef>
+            <a:fontRef idx="minor">
+              <a:schemeClr val="lt1"/>
+            </a:fontRef>
+          </p:style>
+          <p:txBody>
+            <a:bodyPr rtlCol="0" anchor="ctr"/>
+            <a:lstStyle/>
+            <a:p>
+              <a:pPr algn="ctr"/>
+              <a:r>
+                <a:rPr lang="en-GB" dirty="0"/>
+                <a:t>Container: aiida-database</a:t>
+              </a:r>
+            </a:p>
+            <a:p>
+              <a:pPr algn="ctr"/>
+              <a:r>
+                <a:rPr lang="en-GB" dirty="0"/>
+                <a:t>Service: database</a:t>
+              </a:r>
+            </a:p>
+          </p:txBody>
+        </p:sp>
+        <p:sp>
+          <p:nvSpPr>
+            <p:cNvPr id="6" name="Rounded Rectangle 5">
+              <a:extLst>
+                <a:ext uri="{FF2B5EF4-FFF2-40B4-BE49-F238E27FC236}">
+                  <a16:creationId xmlns:a16="http://schemas.microsoft.com/office/drawing/2014/main" id="{B5EADBC0-F275-6F4B-8C92-D857683FE1C0}"/>
+                </a:ext>
+              </a:extLst>
+            </p:cNvPr>
+            <p:cNvSpPr/>
+            <p:nvPr/>
+          </p:nvSpPr>
+          <p:spPr>
+            <a:xfrm>
+              <a:off x="3426092" y="3693553"/>
+              <a:ext cx="3111689" cy="1528550"/>
+            </a:xfrm>
+            <a:prstGeom prst="roundRect">
+              <a:avLst/>
+            </a:prstGeom>
+          </p:spPr>
+          <p:style>
+            <a:lnRef idx="2">
+              <a:schemeClr val="accent1">
+                <a:shade val="50000"/>
+              </a:schemeClr>
+            </a:lnRef>
+            <a:fillRef idx="1">
+              <a:schemeClr val="accent1"/>
+            </a:fillRef>
+            <a:effectRef idx="0">
+              <a:schemeClr val="accent1"/>
+            </a:effectRef>
+            <a:fontRef idx="minor">
+              <a:schemeClr val="lt1"/>
+            </a:fontRef>
+          </p:style>
+          <p:txBody>
+            <a:bodyPr rtlCol="0" anchor="ctr"/>
+            <a:lstStyle/>
+            <a:p>
+              <a:pPr algn="ctr"/>
+              <a:r>
+                <a:rPr lang="en-GB" dirty="0"/>
+                <a:t>Container: aiida-</a:t>
+              </a:r>
+              <a:r>
+                <a:rPr lang="en-GB" dirty="0" err="1"/>
+                <a:t>rmq</a:t>
+              </a:r>
+              <a:endParaRPr lang="en-GB" dirty="0"/>
+            </a:p>
+            <a:p>
+              <a:pPr algn="ctr"/>
+              <a:r>
+                <a:rPr lang="en-GB" dirty="0"/>
+                <a:t>Service: messaging</a:t>
+              </a:r>
+            </a:p>
+          </p:txBody>
+        </p:sp>
+        <p:cxnSp>
+          <p:nvCxnSpPr>
+            <p:cNvPr id="8" name="Straight Connector 7">
+              <a:extLst>
+                <a:ext uri="{FF2B5EF4-FFF2-40B4-BE49-F238E27FC236}">
+                  <a16:creationId xmlns:a16="http://schemas.microsoft.com/office/drawing/2014/main" id="{DE436605-70B7-564D-B533-2BCBC36DDAAB}"/>
+                </a:ext>
+              </a:extLst>
+            </p:cNvPr>
+            <p:cNvCxnSpPr>
+              <a:stCxn id="4" idx="3"/>
+              <a:endCxn id="5" idx="1"/>
+            </p:cNvCxnSpPr>
+            <p:nvPr/>
+          </p:nvCxnSpPr>
+          <p:spPr>
+            <a:xfrm flipV="1">
+              <a:off x="6537781" y="2159379"/>
+              <a:ext cx="1166381" cy="1075"/>
+            </a:xfrm>
+            <a:prstGeom prst="line">
+              <a:avLst/>
+            </a:prstGeom>
+            <a:ln w="38100">
+              <a:headEnd type="triangle"/>
+            </a:ln>
+          </p:spPr>
+          <p:style>
+            <a:lnRef idx="1">
+              <a:schemeClr val="accent1"/>
+            </a:lnRef>
+            <a:fillRef idx="0">
+              <a:schemeClr val="accent1"/>
+            </a:fillRef>
+            <a:effectRef idx="0">
+              <a:schemeClr val="accent1"/>
+            </a:effectRef>
+            <a:fontRef idx="minor">
               <a:schemeClr val="tx1"/>
-            </a:solidFill>
-            <a:headEnd type="triangle"/>
-          </a:ln>
-        </p:spPr>
-        <p:style>
-          <a:lnRef idx="1">
-            <a:schemeClr val="accent1"/>
-          </a:lnRef>
-          <a:fillRef idx="0">
-            <a:schemeClr val="accent1"/>
-          </a:fillRef>
-          <a:effectRef idx="0">
-            <a:schemeClr val="accent1"/>
-          </a:effectRef>
-          <a:fontRef idx="minor">
-            <a:schemeClr val="tx1"/>
-          </a:fontRef>
-        </p:style>
-      </p:cxnSp>
-      <p:sp>
-        <p:nvSpPr>
-          <p:cNvPr id="21" name="Rounded Rectangle 20">
-            <a:extLst>
-              <a:ext uri="{FF2B5EF4-FFF2-40B4-BE49-F238E27FC236}">
-                <a16:creationId xmlns:a16="http://schemas.microsoft.com/office/drawing/2014/main" id="{65ECCABF-04F8-F24C-9B04-60C9B70B5764}"/>
-              </a:ext>
-            </a:extLst>
-          </p:cNvPr>
-          <p:cNvSpPr/>
-          <p:nvPr/>
-        </p:nvSpPr>
-        <p:spPr>
-          <a:xfrm>
-            <a:off x="6209222" y="4298225"/>
-            <a:ext cx="778933" cy="304800"/>
-          </a:xfrm>
-          <a:prstGeom prst="roundRect">
-            <a:avLst/>
-          </a:prstGeom>
-        </p:spPr>
-        <p:style>
-          <a:lnRef idx="2">
-            <a:schemeClr val="accent6">
-              <a:shade val="50000"/>
-            </a:schemeClr>
-          </a:lnRef>
-          <a:fillRef idx="1">
-            <a:schemeClr val="accent6"/>
-          </a:fillRef>
-          <a:effectRef idx="0">
-            <a:schemeClr val="accent6"/>
-          </a:effectRef>
-          <a:fontRef idx="minor">
-            <a:schemeClr val="lt1"/>
-          </a:fontRef>
-        </p:style>
-        <p:txBody>
-          <a:bodyPr rtlCol="0" anchor="ctr"/>
-          <a:lstStyle/>
-          <a:p>
-            <a:pPr algn="ctr"/>
-            <a:r>
-              <a:rPr lang="en-GB" sz="1600" dirty="0"/>
-              <a:t>15672</a:t>
-            </a:r>
-            <a:endParaRPr lang="en-GB" dirty="0"/>
-          </a:p>
-        </p:txBody>
-      </p:sp>
-      <p:cxnSp>
-        <p:nvCxnSpPr>
-          <p:cNvPr id="23" name="Straight Connector 22">
-            <a:extLst>
-              <a:ext uri="{FF2B5EF4-FFF2-40B4-BE49-F238E27FC236}">
-                <a16:creationId xmlns:a16="http://schemas.microsoft.com/office/drawing/2014/main" id="{7556D5F8-85EA-624A-B693-536F8D1012CD}"/>
-              </a:ext>
-            </a:extLst>
-          </p:cNvPr>
-          <p:cNvCxnSpPr>
-            <a:cxnSpLocks/>
-            <a:stCxn id="13" idx="0"/>
-            <a:endCxn id="5" idx="2"/>
-          </p:cNvCxnSpPr>
-          <p:nvPr/>
-        </p:nvCxnSpPr>
-        <p:spPr>
-          <a:xfrm flipV="1">
-            <a:off x="9260007" y="2923654"/>
-            <a:ext cx="0" cy="922362"/>
-          </a:xfrm>
-          <a:prstGeom prst="line">
-            <a:avLst/>
-          </a:prstGeom>
-          <a:ln w="38100">
-            <a:solidFill>
+            </a:fontRef>
+          </p:style>
+        </p:cxnSp>
+        <p:cxnSp>
+          <p:nvCxnSpPr>
+            <p:cNvPr id="9" name="Straight Connector 8">
+              <a:extLst>
+                <a:ext uri="{FF2B5EF4-FFF2-40B4-BE49-F238E27FC236}">
+                  <a16:creationId xmlns:a16="http://schemas.microsoft.com/office/drawing/2014/main" id="{45384FD0-7E9E-E848-85D1-71240E0EB725}"/>
+                </a:ext>
+              </a:extLst>
+            </p:cNvPr>
+            <p:cNvCxnSpPr>
+              <a:cxnSpLocks/>
+              <a:stCxn id="4" idx="2"/>
+              <a:endCxn id="6" idx="0"/>
+            </p:cNvCxnSpPr>
+            <p:nvPr/>
+          </p:nvCxnSpPr>
+          <p:spPr>
+            <a:xfrm>
+              <a:off x="4981937" y="2924729"/>
+              <a:ext cx="0" cy="768824"/>
+            </a:xfrm>
+            <a:prstGeom prst="line">
+              <a:avLst/>
+            </a:prstGeom>
+            <a:ln w="38100">
+              <a:headEnd type="triangle"/>
+            </a:ln>
+          </p:spPr>
+          <p:style>
+            <a:lnRef idx="1">
+              <a:schemeClr val="accent1"/>
+            </a:lnRef>
+            <a:fillRef idx="0">
+              <a:schemeClr val="accent1"/>
+            </a:fillRef>
+            <a:effectRef idx="0">
+              <a:schemeClr val="accent1"/>
+            </a:effectRef>
+            <a:fontRef idx="minor">
               <a:schemeClr val="tx1"/>
-            </a:solidFill>
-            <a:headEnd type="triangle"/>
-          </a:ln>
-        </p:spPr>
-        <p:style>
-          <a:lnRef idx="1">
-            <a:schemeClr val="accent1"/>
-          </a:lnRef>
-          <a:fillRef idx="0">
-            <a:schemeClr val="accent1"/>
-          </a:fillRef>
-          <a:effectRef idx="0">
-            <a:schemeClr val="accent1"/>
-          </a:effectRef>
-          <a:fontRef idx="minor">
-            <a:schemeClr val="tx1"/>
-          </a:fontRef>
-        </p:style>
-      </p:cxnSp>
-      <p:sp>
-        <p:nvSpPr>
-          <p:cNvPr id="26" name="Rounded Rectangle 25">
-            <a:extLst>
-              <a:ext uri="{FF2B5EF4-FFF2-40B4-BE49-F238E27FC236}">
-                <a16:creationId xmlns:a16="http://schemas.microsoft.com/office/drawing/2014/main" id="{60A82218-2EC8-1845-9476-1C741800070B}"/>
-              </a:ext>
-            </a:extLst>
-          </p:cNvPr>
-          <p:cNvSpPr/>
-          <p:nvPr/>
-        </p:nvSpPr>
-        <p:spPr>
-          <a:xfrm>
-            <a:off x="8870539" y="2753057"/>
-            <a:ext cx="778933" cy="304800"/>
-          </a:xfrm>
-          <a:prstGeom prst="roundRect">
-            <a:avLst/>
-          </a:prstGeom>
-        </p:spPr>
-        <p:style>
-          <a:lnRef idx="2">
-            <a:schemeClr val="accent6">
-              <a:shade val="50000"/>
-            </a:schemeClr>
-          </a:lnRef>
-          <a:fillRef idx="1">
-            <a:schemeClr val="accent6"/>
-          </a:fillRef>
-          <a:effectRef idx="0">
-            <a:schemeClr val="accent6"/>
-          </a:effectRef>
-          <a:fontRef idx="minor">
-            <a:schemeClr val="lt1"/>
-          </a:fontRef>
-        </p:style>
-        <p:txBody>
-          <a:bodyPr rtlCol="0" anchor="ctr"/>
-          <a:lstStyle/>
-          <a:p>
-            <a:pPr algn="ctr"/>
-            <a:r>
-              <a:rPr lang="en-GB" sz="1600" dirty="0"/>
-              <a:t>5432</a:t>
-            </a:r>
-            <a:endParaRPr lang="en-GB" dirty="0"/>
-          </a:p>
-        </p:txBody>
-      </p:sp>
-      <p:sp>
-        <p:nvSpPr>
-          <p:cNvPr id="27" name="Rounded Rectangle 26">
-            <a:extLst>
-              <a:ext uri="{FF2B5EF4-FFF2-40B4-BE49-F238E27FC236}">
-                <a16:creationId xmlns:a16="http://schemas.microsoft.com/office/drawing/2014/main" id="{2CCF5074-D341-D041-90BE-8A23B0958C47}"/>
-              </a:ext>
-            </a:extLst>
-          </p:cNvPr>
-          <p:cNvSpPr/>
-          <p:nvPr/>
-        </p:nvSpPr>
-        <p:spPr>
-          <a:xfrm>
-            <a:off x="3426092" y="498208"/>
-            <a:ext cx="3111689" cy="611875"/>
-          </a:xfrm>
-          <a:prstGeom prst="roundRect">
-            <a:avLst/>
-          </a:prstGeom>
-        </p:spPr>
-        <p:style>
-          <a:lnRef idx="2">
-            <a:schemeClr val="accent2">
-              <a:shade val="50000"/>
-            </a:schemeClr>
-          </a:lnRef>
-          <a:fillRef idx="1">
-            <a:schemeClr val="accent2"/>
-          </a:fillRef>
-          <a:effectRef idx="0">
-            <a:schemeClr val="accent2"/>
-          </a:effectRef>
-          <a:fontRef idx="minor">
-            <a:schemeClr val="lt1"/>
-          </a:fontRef>
-        </p:style>
-        <p:txBody>
-          <a:bodyPr rtlCol="0" anchor="ctr"/>
-          <a:lstStyle/>
-          <a:p>
-            <a:pPr algn="ctr"/>
-            <a:r>
-              <a:rPr lang="en-GB" dirty="0"/>
-              <a:t>Volume: aiida-object-store</a:t>
-            </a:r>
-          </a:p>
-        </p:txBody>
-      </p:sp>
-      <p:sp>
-        <p:nvSpPr>
-          <p:cNvPr id="28" name="Rounded Rectangle 27">
-            <a:extLst>
-              <a:ext uri="{FF2B5EF4-FFF2-40B4-BE49-F238E27FC236}">
-                <a16:creationId xmlns:a16="http://schemas.microsoft.com/office/drawing/2014/main" id="{0FC32796-2D55-F241-BA1F-8AD7FC053C5C}"/>
-              </a:ext>
-            </a:extLst>
-          </p:cNvPr>
-          <p:cNvSpPr/>
-          <p:nvPr/>
-        </p:nvSpPr>
-        <p:spPr>
-          <a:xfrm>
-            <a:off x="7704160" y="498208"/>
-            <a:ext cx="3111689" cy="611875"/>
-          </a:xfrm>
-          <a:prstGeom prst="roundRect">
-            <a:avLst/>
-          </a:prstGeom>
-        </p:spPr>
-        <p:style>
-          <a:lnRef idx="2">
-            <a:schemeClr val="accent2">
-              <a:shade val="50000"/>
-            </a:schemeClr>
-          </a:lnRef>
-          <a:fillRef idx="1">
-            <a:schemeClr val="accent2"/>
-          </a:fillRef>
-          <a:effectRef idx="0">
-            <a:schemeClr val="accent2"/>
-          </a:effectRef>
-          <a:fontRef idx="minor">
-            <a:schemeClr val="lt1"/>
-          </a:fontRef>
-        </p:style>
-        <p:txBody>
-          <a:bodyPr rtlCol="0" anchor="ctr"/>
-          <a:lstStyle/>
-          <a:p>
-            <a:pPr algn="ctr"/>
-            <a:r>
-              <a:rPr lang="en-GB" dirty="0"/>
-              <a:t>Volume: aiida-object-store</a:t>
-            </a:r>
-          </a:p>
-        </p:txBody>
-      </p:sp>
-      <p:sp>
-        <p:nvSpPr>
-          <p:cNvPr id="29" name="Rounded Rectangle 28">
-            <a:extLst>
-              <a:ext uri="{FF2B5EF4-FFF2-40B4-BE49-F238E27FC236}">
-                <a16:creationId xmlns:a16="http://schemas.microsoft.com/office/drawing/2014/main" id="{E596F8EC-5773-C04D-BEC7-07A24F615B26}"/>
-              </a:ext>
-            </a:extLst>
-          </p:cNvPr>
-          <p:cNvSpPr/>
-          <p:nvPr/>
-        </p:nvSpPr>
-        <p:spPr>
-          <a:xfrm>
-            <a:off x="3426092" y="5501503"/>
-            <a:ext cx="3111689" cy="611875"/>
-          </a:xfrm>
-          <a:prstGeom prst="roundRect">
-            <a:avLst/>
-          </a:prstGeom>
-        </p:spPr>
-        <p:style>
-          <a:lnRef idx="2">
-            <a:schemeClr val="accent2">
-              <a:shade val="50000"/>
-            </a:schemeClr>
-          </a:lnRef>
-          <a:fillRef idx="1">
-            <a:schemeClr val="accent2"/>
-          </a:fillRef>
-          <a:effectRef idx="0">
-            <a:schemeClr val="accent2"/>
-          </a:effectRef>
-          <a:fontRef idx="minor">
-            <a:schemeClr val="lt1"/>
-          </a:fontRef>
-        </p:style>
-        <p:txBody>
-          <a:bodyPr rtlCol="0" anchor="ctr"/>
-          <a:lstStyle/>
-          <a:p>
-            <a:pPr algn="ctr"/>
-            <a:r>
-              <a:rPr lang="en-GB" dirty="0"/>
-              <a:t>Volume: aiida-object-store</a:t>
-            </a:r>
-          </a:p>
-        </p:txBody>
-      </p:sp>
-      <p:cxnSp>
-        <p:nvCxnSpPr>
-          <p:cNvPr id="34" name="Straight Connector 33">
-            <a:extLst>
-              <a:ext uri="{FF2B5EF4-FFF2-40B4-BE49-F238E27FC236}">
-                <a16:creationId xmlns:a16="http://schemas.microsoft.com/office/drawing/2014/main" id="{687C3218-8E31-AB45-91C2-2D86DDF7FDD3}"/>
-              </a:ext>
-            </a:extLst>
-          </p:cNvPr>
-          <p:cNvCxnSpPr>
-            <a:cxnSpLocks/>
-            <a:stCxn id="27" idx="2"/>
-            <a:endCxn id="4" idx="0"/>
-          </p:cNvCxnSpPr>
-          <p:nvPr/>
-        </p:nvCxnSpPr>
-        <p:spPr>
-          <a:xfrm>
-            <a:off x="4981937" y="1110083"/>
-            <a:ext cx="0" cy="286096"/>
-          </a:xfrm>
-          <a:prstGeom prst="line">
-            <a:avLst/>
-          </a:prstGeom>
-          <a:ln w="38100">
-            <a:headEnd type="triangle"/>
-          </a:ln>
-        </p:spPr>
-        <p:style>
-          <a:lnRef idx="3">
-            <a:schemeClr val="accent2"/>
-          </a:lnRef>
-          <a:fillRef idx="0">
-            <a:schemeClr val="accent2"/>
-          </a:fillRef>
-          <a:effectRef idx="2">
-            <a:schemeClr val="accent2"/>
-          </a:effectRef>
-          <a:fontRef idx="minor">
-            <a:schemeClr val="tx1"/>
-          </a:fontRef>
-        </p:style>
-      </p:cxnSp>
-      <p:cxnSp>
-        <p:nvCxnSpPr>
-          <p:cNvPr id="37" name="Straight Connector 36">
-            <a:extLst>
-              <a:ext uri="{FF2B5EF4-FFF2-40B4-BE49-F238E27FC236}">
-                <a16:creationId xmlns:a16="http://schemas.microsoft.com/office/drawing/2014/main" id="{CEFCB0D9-1AFF-9A45-9E90-AFBE318ECF68}"/>
-              </a:ext>
-            </a:extLst>
-          </p:cNvPr>
-          <p:cNvCxnSpPr>
-            <a:cxnSpLocks/>
-            <a:stCxn id="28" idx="2"/>
-            <a:endCxn id="5" idx="0"/>
-          </p:cNvCxnSpPr>
-          <p:nvPr/>
-        </p:nvCxnSpPr>
-        <p:spPr>
-          <a:xfrm>
-            <a:off x="9260005" y="1110083"/>
-            <a:ext cx="2" cy="285021"/>
-          </a:xfrm>
-          <a:prstGeom prst="line">
-            <a:avLst/>
-          </a:prstGeom>
-          <a:ln w="38100">
-            <a:headEnd type="triangle"/>
-          </a:ln>
-        </p:spPr>
-        <p:style>
-          <a:lnRef idx="3">
-            <a:schemeClr val="accent2"/>
-          </a:lnRef>
-          <a:fillRef idx="0">
-            <a:schemeClr val="accent2"/>
-          </a:fillRef>
-          <a:effectRef idx="2">
-            <a:schemeClr val="accent2"/>
-          </a:effectRef>
-          <a:fontRef idx="minor">
-            <a:schemeClr val="tx1"/>
-          </a:fontRef>
-        </p:style>
-      </p:cxnSp>
-      <p:cxnSp>
-        <p:nvCxnSpPr>
-          <p:cNvPr id="40" name="Straight Connector 39">
-            <a:extLst>
-              <a:ext uri="{FF2B5EF4-FFF2-40B4-BE49-F238E27FC236}">
-                <a16:creationId xmlns:a16="http://schemas.microsoft.com/office/drawing/2014/main" id="{3ACBB74A-6CDF-0A46-9546-89781A178E12}"/>
-              </a:ext>
-            </a:extLst>
-          </p:cNvPr>
-          <p:cNvCxnSpPr>
-            <a:cxnSpLocks/>
-            <a:stCxn id="29" idx="0"/>
-            <a:endCxn id="6" idx="2"/>
-          </p:cNvCxnSpPr>
-          <p:nvPr/>
-        </p:nvCxnSpPr>
-        <p:spPr>
-          <a:xfrm flipV="1">
-            <a:off x="4981937" y="5222103"/>
-            <a:ext cx="0" cy="279400"/>
-          </a:xfrm>
-          <a:prstGeom prst="line">
-            <a:avLst/>
-          </a:prstGeom>
-          <a:ln w="38100">
-            <a:headEnd type="triangle"/>
-          </a:ln>
-        </p:spPr>
-        <p:style>
-          <a:lnRef idx="3">
-            <a:schemeClr val="accent2"/>
-          </a:lnRef>
-          <a:fillRef idx="0">
-            <a:schemeClr val="accent2"/>
-          </a:fillRef>
-          <a:effectRef idx="2">
-            <a:schemeClr val="accent2"/>
-          </a:effectRef>
-          <a:fontRef idx="minor">
-            <a:schemeClr val="tx1"/>
-          </a:fontRef>
-        </p:style>
-      </p:cxnSp>
-      <p:sp>
-        <p:nvSpPr>
-          <p:cNvPr id="47" name="Rounded Rectangle 46">
-            <a:extLst>
-              <a:ext uri="{FF2B5EF4-FFF2-40B4-BE49-F238E27FC236}">
-                <a16:creationId xmlns:a16="http://schemas.microsoft.com/office/drawing/2014/main" id="{7D8DBDCD-1702-A740-9CD9-31B9854A36A8}"/>
-              </a:ext>
-            </a:extLst>
-          </p:cNvPr>
-          <p:cNvSpPr/>
-          <p:nvPr/>
-        </p:nvSpPr>
-        <p:spPr>
-          <a:xfrm>
-            <a:off x="626026" y="1421894"/>
-            <a:ext cx="2088361" cy="1528550"/>
-          </a:xfrm>
-          <a:prstGeom prst="roundRect">
-            <a:avLst/>
-          </a:prstGeom>
-        </p:spPr>
-        <p:style>
-          <a:lnRef idx="2">
-            <a:schemeClr val="accent1">
-              <a:shade val="50000"/>
-            </a:schemeClr>
-          </a:lnRef>
-          <a:fillRef idx="1">
-            <a:schemeClr val="accent1"/>
-          </a:fillRef>
-          <a:effectRef idx="0">
-            <a:schemeClr val="accent1"/>
-          </a:effectRef>
-          <a:fontRef idx="minor">
-            <a:schemeClr val="lt1"/>
-          </a:fontRef>
-        </p:style>
-        <p:txBody>
-          <a:bodyPr rtlCol="0" anchor="ctr"/>
-          <a:lstStyle/>
-          <a:p>
-            <a:pPr algn="ctr"/>
-            <a:r>
-              <a:rPr lang="en-GB" dirty="0"/>
-              <a:t>Container: qe-mpi</a:t>
-            </a:r>
-          </a:p>
-          <a:p>
-            <a:pPr algn="ctr"/>
-            <a:r>
-              <a:rPr lang="en-GB" dirty="0"/>
-              <a:t>Service: computer</a:t>
-            </a:r>
-          </a:p>
-        </p:txBody>
-      </p:sp>
-      <p:cxnSp>
-        <p:nvCxnSpPr>
-          <p:cNvPr id="48" name="Straight Connector 47">
-            <a:extLst>
-              <a:ext uri="{FF2B5EF4-FFF2-40B4-BE49-F238E27FC236}">
-                <a16:creationId xmlns:a16="http://schemas.microsoft.com/office/drawing/2014/main" id="{B6E0FE10-B425-F646-B102-1B5C89B37A3D}"/>
-              </a:ext>
-            </a:extLst>
-          </p:cNvPr>
-          <p:cNvCxnSpPr>
-            <a:cxnSpLocks/>
-            <a:stCxn id="4" idx="1"/>
-            <a:endCxn id="47" idx="3"/>
-          </p:cNvCxnSpPr>
-          <p:nvPr/>
-        </p:nvCxnSpPr>
-        <p:spPr>
-          <a:xfrm flipH="1">
-            <a:off x="2714387" y="2160454"/>
-            <a:ext cx="711705" cy="25715"/>
-          </a:xfrm>
-          <a:prstGeom prst="line">
-            <a:avLst/>
-          </a:prstGeom>
-          <a:ln w="38100">
-            <a:headEnd type="triangle"/>
-          </a:ln>
-        </p:spPr>
-        <p:style>
-          <a:lnRef idx="1">
-            <a:schemeClr val="accent1"/>
-          </a:lnRef>
-          <a:fillRef idx="0">
-            <a:schemeClr val="accent1"/>
-          </a:fillRef>
-          <a:effectRef idx="0">
-            <a:schemeClr val="accent1"/>
-          </a:effectRef>
-          <a:fontRef idx="minor">
-            <a:schemeClr val="tx1"/>
-          </a:fontRef>
-        </p:style>
-      </p:cxnSp>
-      <p:sp>
-        <p:nvSpPr>
-          <p:cNvPr id="51" name="Rounded Rectangle 50">
-            <a:extLst>
-              <a:ext uri="{FF2B5EF4-FFF2-40B4-BE49-F238E27FC236}">
-                <a16:creationId xmlns:a16="http://schemas.microsoft.com/office/drawing/2014/main" id="{03DA8EEA-30A9-CC4E-9A0C-997EEA14CEB3}"/>
-              </a:ext>
-            </a:extLst>
-          </p:cNvPr>
-          <p:cNvSpPr/>
-          <p:nvPr/>
-        </p:nvSpPr>
-        <p:spPr>
-          <a:xfrm>
-            <a:off x="2558574" y="2024955"/>
-            <a:ext cx="456695" cy="268847"/>
-          </a:xfrm>
-          <a:prstGeom prst="roundRect">
-            <a:avLst/>
-          </a:prstGeom>
-        </p:spPr>
-        <p:style>
-          <a:lnRef idx="2">
-            <a:schemeClr val="accent6">
-              <a:shade val="50000"/>
-            </a:schemeClr>
-          </a:lnRef>
-          <a:fillRef idx="1">
-            <a:schemeClr val="accent6"/>
-          </a:fillRef>
-          <a:effectRef idx="0">
-            <a:schemeClr val="accent6"/>
-          </a:effectRef>
-          <a:fontRef idx="minor">
-            <a:schemeClr val="lt1"/>
-          </a:fontRef>
-        </p:style>
-        <p:txBody>
-          <a:bodyPr rtlCol="0" anchor="ctr"/>
-          <a:lstStyle/>
-          <a:p>
-            <a:pPr algn="ctr"/>
-            <a:r>
-              <a:rPr lang="en-GB" sz="1600" dirty="0"/>
-              <a:t>22</a:t>
-            </a:r>
-            <a:endParaRPr lang="en-GB" dirty="0"/>
-          </a:p>
-        </p:txBody>
-      </p:sp>
+            </a:fontRef>
+          </p:style>
+        </p:cxnSp>
+        <p:sp>
+          <p:nvSpPr>
+            <p:cNvPr id="13" name="Rounded Rectangle 12">
+              <a:extLst>
+                <a:ext uri="{FF2B5EF4-FFF2-40B4-BE49-F238E27FC236}">
+                  <a16:creationId xmlns:a16="http://schemas.microsoft.com/office/drawing/2014/main" id="{79CE3941-471B-DC44-9BD5-C440C2B1C14E}"/>
+                </a:ext>
+              </a:extLst>
+            </p:cNvPr>
+            <p:cNvSpPr/>
+            <p:nvPr/>
+          </p:nvSpPr>
+          <p:spPr>
+            <a:xfrm>
+              <a:off x="7899148" y="3846016"/>
+              <a:ext cx="2721718" cy="1207068"/>
+            </a:xfrm>
+            <a:prstGeom prst="roundRect">
+              <a:avLst/>
+            </a:prstGeom>
+          </p:spPr>
+          <p:style>
+            <a:lnRef idx="2">
+              <a:schemeClr val="accent3">
+                <a:shade val="50000"/>
+              </a:schemeClr>
+            </a:lnRef>
+            <a:fillRef idx="1">
+              <a:schemeClr val="accent3"/>
+            </a:fillRef>
+            <a:effectRef idx="0">
+              <a:schemeClr val="accent3"/>
+            </a:effectRef>
+            <a:fontRef idx="minor">
+              <a:schemeClr val="lt1"/>
+            </a:fontRef>
+          </p:style>
+          <p:txBody>
+            <a:bodyPr rtlCol="0" anchor="ctr"/>
+            <a:lstStyle/>
+            <a:p>
+              <a:pPr algn="ctr"/>
+              <a:r>
+                <a:rPr lang="en-GB" dirty="0"/>
+                <a:t>localhost</a:t>
+              </a:r>
+            </a:p>
+          </p:txBody>
+        </p:sp>
+        <p:sp>
+          <p:nvSpPr>
+            <p:cNvPr id="15" name="Rounded Rectangle 14">
+              <a:extLst>
+                <a:ext uri="{FF2B5EF4-FFF2-40B4-BE49-F238E27FC236}">
+                  <a16:creationId xmlns:a16="http://schemas.microsoft.com/office/drawing/2014/main" id="{95BCF965-50AD-D64F-A33D-8DB184704FFA}"/>
+                </a:ext>
+              </a:extLst>
+            </p:cNvPr>
+            <p:cNvSpPr/>
+            <p:nvPr/>
+          </p:nvSpPr>
+          <p:spPr>
+            <a:xfrm>
+              <a:off x="7176951" y="2006979"/>
+              <a:ext cx="778933" cy="304800"/>
+            </a:xfrm>
+            <a:prstGeom prst="roundRect">
+              <a:avLst/>
+            </a:prstGeom>
+          </p:spPr>
+          <p:style>
+            <a:lnRef idx="2">
+              <a:schemeClr val="accent6">
+                <a:shade val="50000"/>
+              </a:schemeClr>
+            </a:lnRef>
+            <a:fillRef idx="1">
+              <a:schemeClr val="accent6"/>
+            </a:fillRef>
+            <a:effectRef idx="0">
+              <a:schemeClr val="accent6"/>
+            </a:effectRef>
+            <a:fontRef idx="minor">
+              <a:schemeClr val="lt1"/>
+            </a:fontRef>
+          </p:style>
+          <p:txBody>
+            <a:bodyPr rtlCol="0" anchor="ctr"/>
+            <a:lstStyle/>
+            <a:p>
+              <a:pPr algn="ctr"/>
+              <a:r>
+                <a:rPr lang="en-GB" sz="1600" dirty="0"/>
+                <a:t>5432</a:t>
+              </a:r>
+              <a:endParaRPr lang="en-GB" dirty="0"/>
+            </a:p>
+          </p:txBody>
+        </p:sp>
+        <p:sp>
+          <p:nvSpPr>
+            <p:cNvPr id="17" name="Rounded Rectangle 16">
+              <a:extLst>
+                <a:ext uri="{FF2B5EF4-FFF2-40B4-BE49-F238E27FC236}">
+                  <a16:creationId xmlns:a16="http://schemas.microsoft.com/office/drawing/2014/main" id="{CBD91C68-42BF-E44B-A133-1C28802655BA}"/>
+                </a:ext>
+              </a:extLst>
+            </p:cNvPr>
+            <p:cNvSpPr/>
+            <p:nvPr/>
+          </p:nvSpPr>
+          <p:spPr>
+            <a:xfrm>
+              <a:off x="4592468" y="3518407"/>
+              <a:ext cx="778933" cy="304800"/>
+            </a:xfrm>
+            <a:prstGeom prst="roundRect">
+              <a:avLst/>
+            </a:prstGeom>
+          </p:spPr>
+          <p:style>
+            <a:lnRef idx="2">
+              <a:schemeClr val="accent6">
+                <a:shade val="50000"/>
+              </a:schemeClr>
+            </a:lnRef>
+            <a:fillRef idx="1">
+              <a:schemeClr val="accent6"/>
+            </a:fillRef>
+            <a:effectRef idx="0">
+              <a:schemeClr val="accent6"/>
+            </a:effectRef>
+            <a:fontRef idx="minor">
+              <a:schemeClr val="lt1"/>
+            </a:fontRef>
+          </p:style>
+          <p:txBody>
+            <a:bodyPr rtlCol="0" anchor="ctr"/>
+            <a:lstStyle/>
+            <a:p>
+              <a:pPr algn="ctr"/>
+              <a:r>
+                <a:rPr lang="en-GB" sz="1600" dirty="0"/>
+                <a:t>5672</a:t>
+              </a:r>
+              <a:endParaRPr lang="en-GB" dirty="0"/>
+            </a:p>
+          </p:txBody>
+        </p:sp>
+        <p:cxnSp>
+          <p:nvCxnSpPr>
+            <p:cNvPr id="18" name="Straight Connector 17">
+              <a:extLst>
+                <a:ext uri="{FF2B5EF4-FFF2-40B4-BE49-F238E27FC236}">
+                  <a16:creationId xmlns:a16="http://schemas.microsoft.com/office/drawing/2014/main" id="{DE7B39B4-7253-724E-B481-56671D27C7E2}"/>
+                </a:ext>
+              </a:extLst>
+            </p:cNvPr>
+            <p:cNvCxnSpPr>
+              <a:cxnSpLocks/>
+              <a:stCxn id="13" idx="1"/>
+              <a:endCxn id="6" idx="3"/>
+            </p:cNvCxnSpPr>
+            <p:nvPr/>
+          </p:nvCxnSpPr>
+          <p:spPr>
+            <a:xfrm flipH="1">
+              <a:off x="6537781" y="4449550"/>
+              <a:ext cx="1361367" cy="8278"/>
+            </a:xfrm>
+            <a:prstGeom prst="line">
+              <a:avLst/>
+            </a:prstGeom>
+            <a:ln w="38100">
+              <a:solidFill>
+                <a:schemeClr val="tx1"/>
+              </a:solidFill>
+              <a:headEnd type="triangle"/>
+            </a:ln>
+          </p:spPr>
+          <p:style>
+            <a:lnRef idx="1">
+              <a:schemeClr val="accent1"/>
+            </a:lnRef>
+            <a:fillRef idx="0">
+              <a:schemeClr val="accent1"/>
+            </a:fillRef>
+            <a:effectRef idx="0">
+              <a:schemeClr val="accent1"/>
+            </a:effectRef>
+            <a:fontRef idx="minor">
+              <a:schemeClr val="tx1"/>
+            </a:fontRef>
+          </p:style>
+        </p:cxnSp>
+        <p:sp>
+          <p:nvSpPr>
+            <p:cNvPr id="21" name="Rounded Rectangle 20">
+              <a:extLst>
+                <a:ext uri="{FF2B5EF4-FFF2-40B4-BE49-F238E27FC236}">
+                  <a16:creationId xmlns:a16="http://schemas.microsoft.com/office/drawing/2014/main" id="{65ECCABF-04F8-F24C-9B04-60C9B70B5764}"/>
+                </a:ext>
+              </a:extLst>
+            </p:cNvPr>
+            <p:cNvSpPr/>
+            <p:nvPr/>
+          </p:nvSpPr>
+          <p:spPr>
+            <a:xfrm>
+              <a:off x="6209222" y="4298225"/>
+              <a:ext cx="778933" cy="304800"/>
+            </a:xfrm>
+            <a:prstGeom prst="roundRect">
+              <a:avLst/>
+            </a:prstGeom>
+          </p:spPr>
+          <p:style>
+            <a:lnRef idx="2">
+              <a:schemeClr val="accent6">
+                <a:shade val="50000"/>
+              </a:schemeClr>
+            </a:lnRef>
+            <a:fillRef idx="1">
+              <a:schemeClr val="accent6"/>
+            </a:fillRef>
+            <a:effectRef idx="0">
+              <a:schemeClr val="accent6"/>
+            </a:effectRef>
+            <a:fontRef idx="minor">
+              <a:schemeClr val="lt1"/>
+            </a:fontRef>
+          </p:style>
+          <p:txBody>
+            <a:bodyPr rtlCol="0" anchor="ctr"/>
+            <a:lstStyle/>
+            <a:p>
+              <a:pPr algn="ctr"/>
+              <a:r>
+                <a:rPr lang="en-GB" sz="1600" dirty="0"/>
+                <a:t>15672</a:t>
+              </a:r>
+              <a:endParaRPr lang="en-GB" dirty="0"/>
+            </a:p>
+          </p:txBody>
+        </p:sp>
+        <p:cxnSp>
+          <p:nvCxnSpPr>
+            <p:cNvPr id="23" name="Straight Connector 22">
+              <a:extLst>
+                <a:ext uri="{FF2B5EF4-FFF2-40B4-BE49-F238E27FC236}">
+                  <a16:creationId xmlns:a16="http://schemas.microsoft.com/office/drawing/2014/main" id="{7556D5F8-85EA-624A-B693-536F8D1012CD}"/>
+                </a:ext>
+              </a:extLst>
+            </p:cNvPr>
+            <p:cNvCxnSpPr>
+              <a:cxnSpLocks/>
+              <a:stCxn id="13" idx="0"/>
+              <a:endCxn id="5" idx="2"/>
+            </p:cNvCxnSpPr>
+            <p:nvPr/>
+          </p:nvCxnSpPr>
+          <p:spPr>
+            <a:xfrm flipV="1">
+              <a:off x="9260007" y="2923654"/>
+              <a:ext cx="0" cy="922362"/>
+            </a:xfrm>
+            <a:prstGeom prst="line">
+              <a:avLst/>
+            </a:prstGeom>
+            <a:ln w="38100">
+              <a:solidFill>
+                <a:schemeClr val="tx1"/>
+              </a:solidFill>
+              <a:headEnd type="triangle"/>
+            </a:ln>
+          </p:spPr>
+          <p:style>
+            <a:lnRef idx="1">
+              <a:schemeClr val="accent1"/>
+            </a:lnRef>
+            <a:fillRef idx="0">
+              <a:schemeClr val="accent1"/>
+            </a:fillRef>
+            <a:effectRef idx="0">
+              <a:schemeClr val="accent1"/>
+            </a:effectRef>
+            <a:fontRef idx="minor">
+              <a:schemeClr val="tx1"/>
+            </a:fontRef>
+          </p:style>
+        </p:cxnSp>
+        <p:sp>
+          <p:nvSpPr>
+            <p:cNvPr id="26" name="Rounded Rectangle 25">
+              <a:extLst>
+                <a:ext uri="{FF2B5EF4-FFF2-40B4-BE49-F238E27FC236}">
+                  <a16:creationId xmlns:a16="http://schemas.microsoft.com/office/drawing/2014/main" id="{60A82218-2EC8-1845-9476-1C741800070B}"/>
+                </a:ext>
+              </a:extLst>
+            </p:cNvPr>
+            <p:cNvSpPr/>
+            <p:nvPr/>
+          </p:nvSpPr>
+          <p:spPr>
+            <a:xfrm>
+              <a:off x="8870539" y="2753057"/>
+              <a:ext cx="778933" cy="304800"/>
+            </a:xfrm>
+            <a:prstGeom prst="roundRect">
+              <a:avLst/>
+            </a:prstGeom>
+          </p:spPr>
+          <p:style>
+            <a:lnRef idx="2">
+              <a:schemeClr val="accent6">
+                <a:shade val="50000"/>
+              </a:schemeClr>
+            </a:lnRef>
+            <a:fillRef idx="1">
+              <a:schemeClr val="accent6"/>
+            </a:fillRef>
+            <a:effectRef idx="0">
+              <a:schemeClr val="accent6"/>
+            </a:effectRef>
+            <a:fontRef idx="minor">
+              <a:schemeClr val="lt1"/>
+            </a:fontRef>
+          </p:style>
+          <p:txBody>
+            <a:bodyPr rtlCol="0" anchor="ctr"/>
+            <a:lstStyle/>
+            <a:p>
+              <a:pPr algn="ctr"/>
+              <a:r>
+                <a:rPr lang="en-GB" sz="1600" dirty="0"/>
+                <a:t>5432</a:t>
+              </a:r>
+              <a:endParaRPr lang="en-GB" dirty="0"/>
+            </a:p>
+          </p:txBody>
+        </p:sp>
+        <p:sp>
+          <p:nvSpPr>
+            <p:cNvPr id="27" name="Rounded Rectangle 26">
+              <a:extLst>
+                <a:ext uri="{FF2B5EF4-FFF2-40B4-BE49-F238E27FC236}">
+                  <a16:creationId xmlns:a16="http://schemas.microsoft.com/office/drawing/2014/main" id="{2CCF5074-D341-D041-90BE-8A23B0958C47}"/>
+                </a:ext>
+              </a:extLst>
+            </p:cNvPr>
+            <p:cNvSpPr/>
+            <p:nvPr/>
+          </p:nvSpPr>
+          <p:spPr>
+            <a:xfrm>
+              <a:off x="3426092" y="498208"/>
+              <a:ext cx="3111689" cy="611875"/>
+            </a:xfrm>
+            <a:prstGeom prst="roundRect">
+              <a:avLst/>
+            </a:prstGeom>
+          </p:spPr>
+          <p:style>
+            <a:lnRef idx="2">
+              <a:schemeClr val="accent2">
+                <a:shade val="50000"/>
+              </a:schemeClr>
+            </a:lnRef>
+            <a:fillRef idx="1">
+              <a:schemeClr val="accent2"/>
+            </a:fillRef>
+            <a:effectRef idx="0">
+              <a:schemeClr val="accent2"/>
+            </a:effectRef>
+            <a:fontRef idx="minor">
+              <a:schemeClr val="lt1"/>
+            </a:fontRef>
+          </p:style>
+          <p:txBody>
+            <a:bodyPr rtlCol="0" anchor="ctr"/>
+            <a:lstStyle/>
+            <a:p>
+              <a:pPr algn="ctr"/>
+              <a:r>
+                <a:rPr lang="en-GB" dirty="0"/>
+                <a:t>Volume: aiida-object-store</a:t>
+              </a:r>
+            </a:p>
+          </p:txBody>
+        </p:sp>
+        <p:sp>
+          <p:nvSpPr>
+            <p:cNvPr id="28" name="Rounded Rectangle 27">
+              <a:extLst>
+                <a:ext uri="{FF2B5EF4-FFF2-40B4-BE49-F238E27FC236}">
+                  <a16:creationId xmlns:a16="http://schemas.microsoft.com/office/drawing/2014/main" id="{0FC32796-2D55-F241-BA1F-8AD7FC053C5C}"/>
+                </a:ext>
+              </a:extLst>
+            </p:cNvPr>
+            <p:cNvSpPr/>
+            <p:nvPr/>
+          </p:nvSpPr>
+          <p:spPr>
+            <a:xfrm>
+              <a:off x="7704160" y="498208"/>
+              <a:ext cx="3111689" cy="611875"/>
+            </a:xfrm>
+            <a:prstGeom prst="roundRect">
+              <a:avLst/>
+            </a:prstGeom>
+          </p:spPr>
+          <p:style>
+            <a:lnRef idx="2">
+              <a:schemeClr val="accent2">
+                <a:shade val="50000"/>
+              </a:schemeClr>
+            </a:lnRef>
+            <a:fillRef idx="1">
+              <a:schemeClr val="accent2"/>
+            </a:fillRef>
+            <a:effectRef idx="0">
+              <a:schemeClr val="accent2"/>
+            </a:effectRef>
+            <a:fontRef idx="minor">
+              <a:schemeClr val="lt1"/>
+            </a:fontRef>
+          </p:style>
+          <p:txBody>
+            <a:bodyPr rtlCol="0" anchor="ctr"/>
+            <a:lstStyle/>
+            <a:p>
+              <a:pPr algn="ctr"/>
+              <a:r>
+                <a:rPr lang="en-GB" dirty="0"/>
+                <a:t>Volume: aiida-object-store</a:t>
+              </a:r>
+            </a:p>
+          </p:txBody>
+        </p:sp>
+        <p:sp>
+          <p:nvSpPr>
+            <p:cNvPr id="29" name="Rounded Rectangle 28">
+              <a:extLst>
+                <a:ext uri="{FF2B5EF4-FFF2-40B4-BE49-F238E27FC236}">
+                  <a16:creationId xmlns:a16="http://schemas.microsoft.com/office/drawing/2014/main" id="{E596F8EC-5773-C04D-BEC7-07A24F615B26}"/>
+                </a:ext>
+              </a:extLst>
+            </p:cNvPr>
+            <p:cNvSpPr/>
+            <p:nvPr/>
+          </p:nvSpPr>
+          <p:spPr>
+            <a:xfrm>
+              <a:off x="3426092" y="5501503"/>
+              <a:ext cx="3111689" cy="611875"/>
+            </a:xfrm>
+            <a:prstGeom prst="roundRect">
+              <a:avLst/>
+            </a:prstGeom>
+          </p:spPr>
+          <p:style>
+            <a:lnRef idx="2">
+              <a:schemeClr val="accent2">
+                <a:shade val="50000"/>
+              </a:schemeClr>
+            </a:lnRef>
+            <a:fillRef idx="1">
+              <a:schemeClr val="accent2"/>
+            </a:fillRef>
+            <a:effectRef idx="0">
+              <a:schemeClr val="accent2"/>
+            </a:effectRef>
+            <a:fontRef idx="minor">
+              <a:schemeClr val="lt1"/>
+            </a:fontRef>
+          </p:style>
+          <p:txBody>
+            <a:bodyPr rtlCol="0" anchor="ctr"/>
+            <a:lstStyle/>
+            <a:p>
+              <a:pPr algn="ctr"/>
+              <a:r>
+                <a:rPr lang="en-GB" dirty="0"/>
+                <a:t>Volume: aiida-object-store</a:t>
+              </a:r>
+            </a:p>
+          </p:txBody>
+        </p:sp>
+        <p:cxnSp>
+          <p:nvCxnSpPr>
+            <p:cNvPr id="34" name="Straight Connector 33">
+              <a:extLst>
+                <a:ext uri="{FF2B5EF4-FFF2-40B4-BE49-F238E27FC236}">
+                  <a16:creationId xmlns:a16="http://schemas.microsoft.com/office/drawing/2014/main" id="{687C3218-8E31-AB45-91C2-2D86DDF7FDD3}"/>
+                </a:ext>
+              </a:extLst>
+            </p:cNvPr>
+            <p:cNvCxnSpPr>
+              <a:cxnSpLocks/>
+              <a:stCxn id="27" idx="2"/>
+              <a:endCxn id="4" idx="0"/>
+            </p:cNvCxnSpPr>
+            <p:nvPr/>
+          </p:nvCxnSpPr>
+          <p:spPr>
+            <a:xfrm>
+              <a:off x="4981937" y="1110083"/>
+              <a:ext cx="0" cy="286096"/>
+            </a:xfrm>
+            <a:prstGeom prst="line">
+              <a:avLst/>
+            </a:prstGeom>
+            <a:ln w="38100">
+              <a:headEnd type="triangle"/>
+            </a:ln>
+          </p:spPr>
+          <p:style>
+            <a:lnRef idx="3">
+              <a:schemeClr val="accent2"/>
+            </a:lnRef>
+            <a:fillRef idx="0">
+              <a:schemeClr val="accent2"/>
+            </a:fillRef>
+            <a:effectRef idx="2">
+              <a:schemeClr val="accent2"/>
+            </a:effectRef>
+            <a:fontRef idx="minor">
+              <a:schemeClr val="tx1"/>
+            </a:fontRef>
+          </p:style>
+        </p:cxnSp>
+        <p:cxnSp>
+          <p:nvCxnSpPr>
+            <p:cNvPr id="37" name="Straight Connector 36">
+              <a:extLst>
+                <a:ext uri="{FF2B5EF4-FFF2-40B4-BE49-F238E27FC236}">
+                  <a16:creationId xmlns:a16="http://schemas.microsoft.com/office/drawing/2014/main" id="{CEFCB0D9-1AFF-9A45-9E90-AFBE318ECF68}"/>
+                </a:ext>
+              </a:extLst>
+            </p:cNvPr>
+            <p:cNvCxnSpPr>
+              <a:cxnSpLocks/>
+              <a:stCxn id="28" idx="2"/>
+              <a:endCxn id="5" idx="0"/>
+            </p:cNvCxnSpPr>
+            <p:nvPr/>
+          </p:nvCxnSpPr>
+          <p:spPr>
+            <a:xfrm>
+              <a:off x="9260005" y="1110083"/>
+              <a:ext cx="2" cy="285021"/>
+            </a:xfrm>
+            <a:prstGeom prst="line">
+              <a:avLst/>
+            </a:prstGeom>
+            <a:ln w="38100">
+              <a:headEnd type="triangle"/>
+            </a:ln>
+          </p:spPr>
+          <p:style>
+            <a:lnRef idx="3">
+              <a:schemeClr val="accent2"/>
+            </a:lnRef>
+            <a:fillRef idx="0">
+              <a:schemeClr val="accent2"/>
+            </a:fillRef>
+            <a:effectRef idx="2">
+              <a:schemeClr val="accent2"/>
+            </a:effectRef>
+            <a:fontRef idx="minor">
+              <a:schemeClr val="tx1"/>
+            </a:fontRef>
+          </p:style>
+        </p:cxnSp>
+        <p:cxnSp>
+          <p:nvCxnSpPr>
+            <p:cNvPr id="40" name="Straight Connector 39">
+              <a:extLst>
+                <a:ext uri="{FF2B5EF4-FFF2-40B4-BE49-F238E27FC236}">
+                  <a16:creationId xmlns:a16="http://schemas.microsoft.com/office/drawing/2014/main" id="{3ACBB74A-6CDF-0A46-9546-89781A178E12}"/>
+                </a:ext>
+              </a:extLst>
+            </p:cNvPr>
+            <p:cNvCxnSpPr>
+              <a:cxnSpLocks/>
+              <a:stCxn id="29" idx="0"/>
+              <a:endCxn id="6" idx="2"/>
+            </p:cNvCxnSpPr>
+            <p:nvPr/>
+          </p:nvCxnSpPr>
+          <p:spPr>
+            <a:xfrm flipV="1">
+              <a:off x="4981937" y="5222103"/>
+              <a:ext cx="0" cy="279400"/>
+            </a:xfrm>
+            <a:prstGeom prst="line">
+              <a:avLst/>
+            </a:prstGeom>
+            <a:ln w="38100">
+              <a:headEnd type="triangle"/>
+            </a:ln>
+          </p:spPr>
+          <p:style>
+            <a:lnRef idx="3">
+              <a:schemeClr val="accent2"/>
+            </a:lnRef>
+            <a:fillRef idx="0">
+              <a:schemeClr val="accent2"/>
+            </a:fillRef>
+            <a:effectRef idx="2">
+              <a:schemeClr val="accent2"/>
+            </a:effectRef>
+            <a:fontRef idx="minor">
+              <a:schemeClr val="tx1"/>
+            </a:fontRef>
+          </p:style>
+        </p:cxnSp>
+        <p:sp>
+          <p:nvSpPr>
+            <p:cNvPr id="47" name="Rounded Rectangle 46">
+              <a:extLst>
+                <a:ext uri="{FF2B5EF4-FFF2-40B4-BE49-F238E27FC236}">
+                  <a16:creationId xmlns:a16="http://schemas.microsoft.com/office/drawing/2014/main" id="{7D8DBDCD-1702-A740-9CD9-31B9854A36A8}"/>
+                </a:ext>
+              </a:extLst>
+            </p:cNvPr>
+            <p:cNvSpPr/>
+            <p:nvPr/>
+          </p:nvSpPr>
+          <p:spPr>
+            <a:xfrm>
+              <a:off x="626026" y="1421894"/>
+              <a:ext cx="2088361" cy="1528550"/>
+            </a:xfrm>
+            <a:prstGeom prst="roundRect">
+              <a:avLst/>
+            </a:prstGeom>
+          </p:spPr>
+          <p:style>
+            <a:lnRef idx="2">
+              <a:schemeClr val="accent1">
+                <a:shade val="50000"/>
+              </a:schemeClr>
+            </a:lnRef>
+            <a:fillRef idx="1">
+              <a:schemeClr val="accent1"/>
+            </a:fillRef>
+            <a:effectRef idx="0">
+              <a:schemeClr val="accent1"/>
+            </a:effectRef>
+            <a:fontRef idx="minor">
+              <a:schemeClr val="lt1"/>
+            </a:fontRef>
+          </p:style>
+          <p:txBody>
+            <a:bodyPr rtlCol="0" anchor="ctr"/>
+            <a:lstStyle/>
+            <a:p>
+              <a:pPr algn="ctr"/>
+              <a:r>
+                <a:rPr lang="en-GB" dirty="0"/>
+                <a:t>Container: qe-mpi</a:t>
+              </a:r>
+            </a:p>
+            <a:p>
+              <a:pPr algn="ctr"/>
+              <a:r>
+                <a:rPr lang="en-GB" dirty="0"/>
+                <a:t>Service: computer</a:t>
+              </a:r>
+            </a:p>
+          </p:txBody>
+        </p:sp>
+        <p:cxnSp>
+          <p:nvCxnSpPr>
+            <p:cNvPr id="48" name="Straight Connector 47">
+              <a:extLst>
+                <a:ext uri="{FF2B5EF4-FFF2-40B4-BE49-F238E27FC236}">
+                  <a16:creationId xmlns:a16="http://schemas.microsoft.com/office/drawing/2014/main" id="{B6E0FE10-B425-F646-B102-1B5C89B37A3D}"/>
+                </a:ext>
+              </a:extLst>
+            </p:cNvPr>
+            <p:cNvCxnSpPr>
+              <a:cxnSpLocks/>
+              <a:stCxn id="4" idx="1"/>
+              <a:endCxn id="47" idx="3"/>
+            </p:cNvCxnSpPr>
+            <p:nvPr/>
+          </p:nvCxnSpPr>
+          <p:spPr>
+            <a:xfrm flipH="1">
+              <a:off x="2714387" y="2160454"/>
+              <a:ext cx="711705" cy="25715"/>
+            </a:xfrm>
+            <a:prstGeom prst="line">
+              <a:avLst/>
+            </a:prstGeom>
+            <a:ln w="38100">
+              <a:headEnd type="triangle"/>
+            </a:ln>
+          </p:spPr>
+          <p:style>
+            <a:lnRef idx="1">
+              <a:schemeClr val="accent1"/>
+            </a:lnRef>
+            <a:fillRef idx="0">
+              <a:schemeClr val="accent1"/>
+            </a:fillRef>
+            <a:effectRef idx="0">
+              <a:schemeClr val="accent1"/>
+            </a:effectRef>
+            <a:fontRef idx="minor">
+              <a:schemeClr val="tx1"/>
+            </a:fontRef>
+          </p:style>
+        </p:cxnSp>
+        <p:sp>
+          <p:nvSpPr>
+            <p:cNvPr id="51" name="Rounded Rectangle 50">
+              <a:extLst>
+                <a:ext uri="{FF2B5EF4-FFF2-40B4-BE49-F238E27FC236}">
+                  <a16:creationId xmlns:a16="http://schemas.microsoft.com/office/drawing/2014/main" id="{03DA8EEA-30A9-CC4E-9A0C-997EEA14CEB3}"/>
+                </a:ext>
+              </a:extLst>
+            </p:cNvPr>
+            <p:cNvSpPr/>
+            <p:nvPr/>
+          </p:nvSpPr>
+          <p:spPr>
+            <a:xfrm>
+              <a:off x="2558574" y="2024955"/>
+              <a:ext cx="456695" cy="268847"/>
+            </a:xfrm>
+            <a:prstGeom prst="roundRect">
+              <a:avLst/>
+            </a:prstGeom>
+          </p:spPr>
+          <p:style>
+            <a:lnRef idx="2">
+              <a:schemeClr val="accent6">
+                <a:shade val="50000"/>
+              </a:schemeClr>
+            </a:lnRef>
+            <a:fillRef idx="1">
+              <a:schemeClr val="accent6"/>
+            </a:fillRef>
+            <a:effectRef idx="0">
+              <a:schemeClr val="accent6"/>
+            </a:effectRef>
+            <a:fontRef idx="minor">
+              <a:schemeClr val="lt1"/>
+            </a:fontRef>
+          </p:style>
+          <p:txBody>
+            <a:bodyPr rtlCol="0" anchor="ctr"/>
+            <a:lstStyle/>
+            <a:p>
+              <a:pPr algn="ctr"/>
+              <a:r>
+                <a:rPr lang="en-GB" sz="1600" dirty="0"/>
+                <a:t>22</a:t>
+              </a:r>
+              <a:endParaRPr lang="en-GB" dirty="0"/>
+            </a:p>
+          </p:txBody>
+        </p:sp>
+      </p:grpSp>
     </p:spTree>
     <p:extLst>
       <p:ext uri="{BB962C8B-B14F-4D97-AF65-F5344CB8AC3E}">
